--- a/発表資料/ゼロから作るDeepLearning/ゼロから作るdeeplearning第1,2章.pptx
+++ b/発表資料/ゼロから作るDeepLearning/ゼロから作るdeeplearning第1,2章.pptx
@@ -142,16 +142,32 @@
 </p:cmAuthorLst>
 </file>
 
-<file path=ppt/revisionInfo.xml><?xml version="1.0" encoding="utf-8"?>
-<p1510:revInfo xmlns:a="http://schemas.openxmlformats.org/drawingml/2006/main" xmlns:r="http://schemas.openxmlformats.org/officeDocument/2006/relationships" xmlns:p1510="http://schemas.microsoft.com/office/powerpoint/2015/10/main">
-  <p1510:revLst>
-    <p1510:client id="{5D49ADF5-6A5C-42DD-9A3E-E2C27C876263}" v="358" dt="2020-05-22T16:43:51.277"/>
-  </p1510:revLst>
-</p1510:revInfo>
-</file>
-
 <file path=ppt/changesInfos/changesInfo1.xml><?xml version="1.0" encoding="utf-8"?>
 <pc:chgInfo xmlns:a="http://schemas.openxmlformats.org/drawingml/2006/main" xmlns:r="http://schemas.openxmlformats.org/officeDocument/2006/relationships" xmlns:ac="http://schemas.microsoft.com/office/drawing/2013/main/command" xmlns:pc="http://schemas.microsoft.com/office/powerpoint/2013/main/command">
+  <pc:docChgLst>
+    <pc:chgData name="Masaya Yamaguchi" userId="8869a66585b793a1" providerId="LiveId" clId="{4ACEC64E-1EC2-405D-9E4F-48A7B8353B17}"/>
+    <pc:docChg chg="modSld">
+      <pc:chgData name="Masaya Yamaguchi" userId="8869a66585b793a1" providerId="LiveId" clId="{4ACEC64E-1EC2-405D-9E4F-48A7B8353B17}" dt="2020-08-21T06:42:42.314" v="9" actId="20577"/>
+      <pc:docMkLst>
+        <pc:docMk/>
+      </pc:docMkLst>
+      <pc:sldChg chg="modSp">
+        <pc:chgData name="Masaya Yamaguchi" userId="8869a66585b793a1" providerId="LiveId" clId="{4ACEC64E-1EC2-405D-9E4F-48A7B8353B17}" dt="2020-08-21T06:42:42.314" v="9" actId="20577"/>
+        <pc:sldMkLst>
+          <pc:docMk/>
+          <pc:sldMk cId="566427499" sldId="259"/>
+        </pc:sldMkLst>
+        <pc:spChg chg="mod">
+          <ac:chgData name="Masaya Yamaguchi" userId="8869a66585b793a1" providerId="LiveId" clId="{4ACEC64E-1EC2-405D-9E4F-48A7B8353B17}" dt="2020-08-21T06:42:42.314" v="9" actId="20577"/>
+          <ac:spMkLst>
+            <pc:docMk/>
+            <pc:sldMk cId="566427499" sldId="259"/>
+            <ac:spMk id="9" creationId="{59497279-1B6D-4D19-BA11-95A5402CC0A4}"/>
+          </ac:spMkLst>
+        </pc:spChg>
+      </pc:sldChg>
+    </pc:docChg>
+  </pc:docChgLst>
   <pc:docChgLst>
     <pc:chgData name="Masaya Yamaguchi" userId="8869a66585b793a1" providerId="LiveId" clId="{5D49ADF5-6A5C-42DD-9A3E-E2C27C876263}"/>
     <pc:docChg chg="undo custSel addSld modSld">
@@ -737,7 +753,7 @@
           <a:p>
             <a:fld id="{6F410624-7C5E-4564-8988-5D4DC79A743A}" type="datetimeFigureOut">
               <a:rPr kumimoji="1" lang="ja-JP" altLang="en-US" smtClean="0"/>
-              <a:t>2020/5/29</a:t>
+              <a:t>2020/8/21</a:t>
             </a:fld>
             <a:endParaRPr kumimoji="1" lang="ja-JP" altLang="en-US"/>
           </a:p>
@@ -967,7 +983,7 @@
           <a:p>
             <a:fld id="{6F410624-7C5E-4564-8988-5D4DC79A743A}" type="datetimeFigureOut">
               <a:rPr kumimoji="1" lang="ja-JP" altLang="en-US" smtClean="0"/>
-              <a:t>2020/5/29</a:t>
+              <a:t>2020/8/21</a:t>
             </a:fld>
             <a:endParaRPr kumimoji="1" lang="ja-JP" altLang="en-US"/>
           </a:p>
@@ -1207,7 +1223,7 @@
           <a:p>
             <a:fld id="{6F410624-7C5E-4564-8988-5D4DC79A743A}" type="datetimeFigureOut">
               <a:rPr kumimoji="1" lang="ja-JP" altLang="en-US" smtClean="0"/>
-              <a:t>2020/5/29</a:t>
+              <a:t>2020/8/21</a:t>
             </a:fld>
             <a:endParaRPr kumimoji="1" lang="ja-JP" altLang="en-US"/>
           </a:p>
@@ -1437,7 +1453,7 @@
           <a:p>
             <a:fld id="{6F410624-7C5E-4564-8988-5D4DC79A743A}" type="datetimeFigureOut">
               <a:rPr kumimoji="1" lang="ja-JP" altLang="en-US" smtClean="0"/>
-              <a:t>2020/5/29</a:t>
+              <a:t>2020/8/21</a:t>
             </a:fld>
             <a:endParaRPr kumimoji="1" lang="ja-JP" altLang="en-US"/>
           </a:p>
@@ -1712,7 +1728,7 @@
           <a:p>
             <a:fld id="{6F410624-7C5E-4564-8988-5D4DC79A743A}" type="datetimeFigureOut">
               <a:rPr kumimoji="1" lang="ja-JP" altLang="en-US" smtClean="0"/>
-              <a:t>2020/5/29</a:t>
+              <a:t>2020/8/21</a:t>
             </a:fld>
             <a:endParaRPr kumimoji="1" lang="ja-JP" altLang="en-US"/>
           </a:p>
@@ -2041,7 +2057,7 @@
           <a:p>
             <a:fld id="{6F410624-7C5E-4564-8988-5D4DC79A743A}" type="datetimeFigureOut">
               <a:rPr kumimoji="1" lang="ja-JP" altLang="en-US" smtClean="0"/>
-              <a:t>2020/5/29</a:t>
+              <a:t>2020/8/21</a:t>
             </a:fld>
             <a:endParaRPr kumimoji="1" lang="ja-JP" altLang="en-US"/>
           </a:p>
@@ -2517,7 +2533,7 @@
           <a:p>
             <a:fld id="{6F410624-7C5E-4564-8988-5D4DC79A743A}" type="datetimeFigureOut">
               <a:rPr kumimoji="1" lang="ja-JP" altLang="en-US" smtClean="0"/>
-              <a:t>2020/5/29</a:t>
+              <a:t>2020/8/21</a:t>
             </a:fld>
             <a:endParaRPr kumimoji="1" lang="ja-JP" altLang="en-US"/>
           </a:p>
@@ -2658,7 +2674,7 @@
           <a:p>
             <a:fld id="{6F410624-7C5E-4564-8988-5D4DC79A743A}" type="datetimeFigureOut">
               <a:rPr kumimoji="1" lang="ja-JP" altLang="en-US" smtClean="0"/>
-              <a:t>2020/5/29</a:t>
+              <a:t>2020/8/21</a:t>
             </a:fld>
             <a:endParaRPr kumimoji="1" lang="ja-JP" altLang="en-US"/>
           </a:p>
@@ -2771,7 +2787,7 @@
           <a:p>
             <a:fld id="{6F410624-7C5E-4564-8988-5D4DC79A743A}" type="datetimeFigureOut">
               <a:rPr kumimoji="1" lang="ja-JP" altLang="en-US" smtClean="0"/>
-              <a:t>2020/5/29</a:t>
+              <a:t>2020/8/21</a:t>
             </a:fld>
             <a:endParaRPr kumimoji="1" lang="ja-JP" altLang="en-US"/>
           </a:p>
@@ -3114,7 +3130,7 @@
           <a:p>
             <a:fld id="{6F410624-7C5E-4564-8988-5D4DC79A743A}" type="datetimeFigureOut">
               <a:rPr kumimoji="1" lang="ja-JP" altLang="en-US" smtClean="0"/>
-              <a:t>2020/5/29</a:t>
+              <a:t>2020/8/21</a:t>
             </a:fld>
             <a:endParaRPr kumimoji="1" lang="ja-JP" altLang="en-US"/>
           </a:p>
@@ -3402,7 +3418,7 @@
           <a:p>
             <a:fld id="{6F410624-7C5E-4564-8988-5D4DC79A743A}" type="datetimeFigureOut">
               <a:rPr kumimoji="1" lang="ja-JP" altLang="en-US" smtClean="0"/>
-              <a:t>2020/5/29</a:t>
+              <a:t>2020/8/21</a:t>
             </a:fld>
             <a:endParaRPr kumimoji="1" lang="ja-JP" altLang="en-US"/>
           </a:p>
@@ -3675,7 +3691,7 @@
           <a:p>
             <a:fld id="{6F410624-7C5E-4564-8988-5D4DC79A743A}" type="datetimeFigureOut">
               <a:rPr kumimoji="1" lang="ja-JP" altLang="en-US" smtClean="0"/>
-              <a:t>2020/5/29</a:t>
+              <a:t>2020/8/21</a:t>
             </a:fld>
             <a:endParaRPr kumimoji="1" lang="ja-JP" altLang="en-US"/>
           </a:p>
@@ -13712,7 +13728,7 @@
                 </a:solidFill>
                 <a:latin typeface="Consolas" panose="020B0609020204030204" pitchFamily="49" charset="0"/>
               </a:rPr>
-              <a:t>def</a:t>
+              <a:t>class</a:t>
             </a:r>
             <a:r>
               <a:rPr lang="ja-JP" altLang="en-US" dirty="0">

--- a/発表資料/ゼロから作るDeepLearning/ゼロから作るdeeplearning第1,2章.pptx
+++ b/発表資料/ゼロから作るDeepLearning/ゼロから作るdeeplearning第1,2章.pptx
@@ -142,15 +142,62 @@
 </p:cmAuthorLst>
 </file>
 
+<file path=ppt/revisionInfo.xml><?xml version="1.0" encoding="utf-8"?>
+<p1510:revInfo xmlns:a="http://schemas.openxmlformats.org/drawingml/2006/main" xmlns:r="http://schemas.openxmlformats.org/officeDocument/2006/relationships" xmlns:p1510="http://schemas.microsoft.com/office/powerpoint/2015/10/main">
+  <p1510:revLst>
+    <p1510:client id="{4ACEC64E-1EC2-405D-9E4F-48A7B8353B17}" v="98" dt="2020-09-02T18:18:53.576"/>
+  </p1510:revLst>
+</p1510:revInfo>
+</file>
+
 <file path=ppt/changesInfos/changesInfo1.xml><?xml version="1.0" encoding="utf-8"?>
 <pc:chgInfo xmlns:a="http://schemas.openxmlformats.org/drawingml/2006/main" xmlns:r="http://schemas.openxmlformats.org/officeDocument/2006/relationships" xmlns:ac="http://schemas.microsoft.com/office/drawing/2013/main/command" xmlns:pc="http://schemas.microsoft.com/office/powerpoint/2013/main/command">
   <pc:docChgLst>
     <pc:chgData name="Masaya Yamaguchi" userId="8869a66585b793a1" providerId="LiveId" clId="{4ACEC64E-1EC2-405D-9E4F-48A7B8353B17}"/>
-    <pc:docChg chg="modSld">
-      <pc:chgData name="Masaya Yamaguchi" userId="8869a66585b793a1" providerId="LiveId" clId="{4ACEC64E-1EC2-405D-9E4F-48A7B8353B17}" dt="2020-08-21T06:42:42.314" v="9" actId="20577"/>
+    <pc:docChg chg="undo custSel modSld">
+      <pc:chgData name="Masaya Yamaguchi" userId="8869a66585b793a1" providerId="LiveId" clId="{4ACEC64E-1EC2-405D-9E4F-48A7B8353B17}" dt="2020-09-02T18:18:53.576" v="62" actId="478"/>
       <pc:docMkLst>
         <pc:docMk/>
       </pc:docMkLst>
+      <pc:sldChg chg="delSp modSp">
+        <pc:chgData name="Masaya Yamaguchi" userId="8869a66585b793a1" providerId="LiveId" clId="{4ACEC64E-1EC2-405D-9E4F-48A7B8353B17}" dt="2020-09-02T18:18:29.689" v="46" actId="478"/>
+        <pc:sldMkLst>
+          <pc:docMk/>
+          <pc:sldMk cId="3512458007" sldId="257"/>
+        </pc:sldMkLst>
+        <pc:spChg chg="del ord">
+          <ac:chgData name="Masaya Yamaguchi" userId="8869a66585b793a1" providerId="LiveId" clId="{4ACEC64E-1EC2-405D-9E4F-48A7B8353B17}" dt="2020-09-02T18:18:29.689" v="46" actId="478"/>
+          <ac:spMkLst>
+            <pc:docMk/>
+            <pc:sldMk cId="3512458007" sldId="257"/>
+            <ac:spMk id="2" creationId="{E4C3881B-53B3-49AC-B50E-56544F2255FE}"/>
+          </ac:spMkLst>
+        </pc:spChg>
+        <pc:grpChg chg="ord">
+          <ac:chgData name="Masaya Yamaguchi" userId="8869a66585b793a1" providerId="LiveId" clId="{4ACEC64E-1EC2-405D-9E4F-48A7B8353B17}" dt="2020-09-02T18:18:29.688" v="45"/>
+          <ac:grpSpMkLst>
+            <pc:docMk/>
+            <pc:sldMk cId="3512458007" sldId="257"/>
+            <ac:grpSpMk id="7" creationId="{CA68BD1C-D7B8-4D5C-A9DF-B87D05135DC0}"/>
+          </ac:grpSpMkLst>
+        </pc:grpChg>
+        <pc:picChg chg="mod ord">
+          <ac:chgData name="Masaya Yamaguchi" userId="8869a66585b793a1" providerId="LiveId" clId="{4ACEC64E-1EC2-405D-9E4F-48A7B8353B17}" dt="2020-09-02T18:18:29.687" v="43" actId="108"/>
+          <ac:picMkLst>
+            <pc:docMk/>
+            <pc:sldMk cId="3512458007" sldId="257"/>
+            <ac:picMk id="6" creationId="{10B6B79E-0078-4826-9C37-18432E27EE04}"/>
+          </ac:picMkLst>
+        </pc:picChg>
+        <pc:picChg chg="del mod">
+          <ac:chgData name="Masaya Yamaguchi" userId="8869a66585b793a1" providerId="LiveId" clId="{4ACEC64E-1EC2-405D-9E4F-48A7B8353B17}" dt="2020-09-02T18:18:29.687" v="44" actId="478"/>
+          <ac:picMkLst>
+            <pc:docMk/>
+            <pc:sldMk cId="3512458007" sldId="257"/>
+            <ac:picMk id="16" creationId="{75AD9B0A-E28A-41DE-919E-14A9A0BDF679}"/>
+          </ac:picMkLst>
+        </pc:picChg>
+      </pc:sldChg>
       <pc:sldChg chg="modSp">
         <pc:chgData name="Masaya Yamaguchi" userId="8869a66585b793a1" providerId="LiveId" clId="{4ACEC64E-1EC2-405D-9E4F-48A7B8353B17}" dt="2020-08-21T06:42:42.314" v="9" actId="20577"/>
         <pc:sldMkLst>
@@ -165,6 +212,53 @@
             <ac:spMk id="9" creationId="{59497279-1B6D-4D19-BA11-95A5402CC0A4}"/>
           </ac:spMkLst>
         </pc:spChg>
+      </pc:sldChg>
+      <pc:sldChg chg="delSp modSp">
+        <pc:chgData name="Masaya Yamaguchi" userId="8869a66585b793a1" providerId="LiveId" clId="{4ACEC64E-1EC2-405D-9E4F-48A7B8353B17}" dt="2020-09-02T18:18:53.576" v="62" actId="478"/>
+        <pc:sldMkLst>
+          <pc:docMk/>
+          <pc:sldMk cId="2502184238" sldId="260"/>
+        </pc:sldMkLst>
+        <pc:spChg chg="del ord">
+          <ac:chgData name="Masaya Yamaguchi" userId="8869a66585b793a1" providerId="LiveId" clId="{4ACEC64E-1EC2-405D-9E4F-48A7B8353B17}" dt="2020-09-02T18:18:53.576" v="62" actId="478"/>
+          <ac:spMkLst>
+            <pc:docMk/>
+            <pc:sldMk cId="2502184238" sldId="260"/>
+            <ac:spMk id="2" creationId="{B26FD2F2-B465-4879-B1D2-8F564AEAA3FC}"/>
+          </ac:spMkLst>
+        </pc:spChg>
+        <pc:spChg chg="mod">
+          <ac:chgData name="Masaya Yamaguchi" userId="8869a66585b793a1" providerId="LiveId" clId="{4ACEC64E-1EC2-405D-9E4F-48A7B8353B17}" dt="2020-09-02T18:17:56.977" v="30" actId="20577"/>
+          <ac:spMkLst>
+            <pc:docMk/>
+            <pc:sldMk cId="2502184238" sldId="260"/>
+            <ac:spMk id="9" creationId="{59497279-1B6D-4D19-BA11-95A5402CC0A4}"/>
+          </ac:spMkLst>
+        </pc:spChg>
+        <pc:grpChg chg="ord">
+          <ac:chgData name="Masaya Yamaguchi" userId="8869a66585b793a1" providerId="LiveId" clId="{4ACEC64E-1EC2-405D-9E4F-48A7B8353B17}" dt="2020-09-02T18:18:53.576" v="61"/>
+          <ac:grpSpMkLst>
+            <pc:docMk/>
+            <pc:sldMk cId="2502184238" sldId="260"/>
+            <ac:grpSpMk id="6" creationId="{E6E22460-AA9E-427E-817F-C76F0F26CDFC}"/>
+          </ac:grpSpMkLst>
+        </pc:grpChg>
+        <pc:picChg chg="mod ord">
+          <ac:chgData name="Masaya Yamaguchi" userId="8869a66585b793a1" providerId="LiveId" clId="{4ACEC64E-1EC2-405D-9E4F-48A7B8353B17}" dt="2020-09-02T18:18:53.574" v="59" actId="108"/>
+          <ac:picMkLst>
+            <pc:docMk/>
+            <pc:sldMk cId="2502184238" sldId="260"/>
+            <ac:picMk id="4" creationId="{F6D66A13-B1F0-4EC3-8A7B-0557ECFE79C1}"/>
+          </ac:picMkLst>
+        </pc:picChg>
+        <pc:picChg chg="del mod">
+          <ac:chgData name="Masaya Yamaguchi" userId="8869a66585b793a1" providerId="LiveId" clId="{4ACEC64E-1EC2-405D-9E4F-48A7B8353B17}" dt="2020-09-02T18:18:53.574" v="60" actId="478"/>
+          <ac:picMkLst>
+            <pc:docMk/>
+            <pc:sldMk cId="2502184238" sldId="260"/>
+            <ac:picMk id="16" creationId="{75AD9B0A-E28A-41DE-919E-14A9A0BDF679}"/>
+          </ac:picMkLst>
+        </pc:picChg>
       </pc:sldChg>
     </pc:docChg>
   </pc:docChgLst>
@@ -753,7 +847,7 @@
           <a:p>
             <a:fld id="{6F410624-7C5E-4564-8988-5D4DC79A743A}" type="datetimeFigureOut">
               <a:rPr kumimoji="1" lang="ja-JP" altLang="en-US" smtClean="0"/>
-              <a:t>2020/8/21</a:t>
+              <a:t>2020/9/3</a:t>
             </a:fld>
             <a:endParaRPr kumimoji="1" lang="ja-JP" altLang="en-US"/>
           </a:p>
@@ -983,7 +1077,7 @@
           <a:p>
             <a:fld id="{6F410624-7C5E-4564-8988-5D4DC79A743A}" type="datetimeFigureOut">
               <a:rPr kumimoji="1" lang="ja-JP" altLang="en-US" smtClean="0"/>
-              <a:t>2020/8/21</a:t>
+              <a:t>2020/9/3</a:t>
             </a:fld>
             <a:endParaRPr kumimoji="1" lang="ja-JP" altLang="en-US"/>
           </a:p>
@@ -1223,7 +1317,7 @@
           <a:p>
             <a:fld id="{6F410624-7C5E-4564-8988-5D4DC79A743A}" type="datetimeFigureOut">
               <a:rPr kumimoji="1" lang="ja-JP" altLang="en-US" smtClean="0"/>
-              <a:t>2020/8/21</a:t>
+              <a:t>2020/9/3</a:t>
             </a:fld>
             <a:endParaRPr kumimoji="1" lang="ja-JP" altLang="en-US"/>
           </a:p>
@@ -1453,7 +1547,7 @@
           <a:p>
             <a:fld id="{6F410624-7C5E-4564-8988-5D4DC79A743A}" type="datetimeFigureOut">
               <a:rPr kumimoji="1" lang="ja-JP" altLang="en-US" smtClean="0"/>
-              <a:t>2020/8/21</a:t>
+              <a:t>2020/9/3</a:t>
             </a:fld>
             <a:endParaRPr kumimoji="1" lang="ja-JP" altLang="en-US"/>
           </a:p>
@@ -1728,7 +1822,7 @@
           <a:p>
             <a:fld id="{6F410624-7C5E-4564-8988-5D4DC79A743A}" type="datetimeFigureOut">
               <a:rPr kumimoji="1" lang="ja-JP" altLang="en-US" smtClean="0"/>
-              <a:t>2020/8/21</a:t>
+              <a:t>2020/9/3</a:t>
             </a:fld>
             <a:endParaRPr kumimoji="1" lang="ja-JP" altLang="en-US"/>
           </a:p>
@@ -2057,7 +2151,7 @@
           <a:p>
             <a:fld id="{6F410624-7C5E-4564-8988-5D4DC79A743A}" type="datetimeFigureOut">
               <a:rPr kumimoji="1" lang="ja-JP" altLang="en-US" smtClean="0"/>
-              <a:t>2020/8/21</a:t>
+              <a:t>2020/9/3</a:t>
             </a:fld>
             <a:endParaRPr kumimoji="1" lang="ja-JP" altLang="en-US"/>
           </a:p>
@@ -2533,7 +2627,7 @@
           <a:p>
             <a:fld id="{6F410624-7C5E-4564-8988-5D4DC79A743A}" type="datetimeFigureOut">
               <a:rPr kumimoji="1" lang="ja-JP" altLang="en-US" smtClean="0"/>
-              <a:t>2020/8/21</a:t>
+              <a:t>2020/9/3</a:t>
             </a:fld>
             <a:endParaRPr kumimoji="1" lang="ja-JP" altLang="en-US"/>
           </a:p>
@@ -2674,7 +2768,7 @@
           <a:p>
             <a:fld id="{6F410624-7C5E-4564-8988-5D4DC79A743A}" type="datetimeFigureOut">
               <a:rPr kumimoji="1" lang="ja-JP" altLang="en-US" smtClean="0"/>
-              <a:t>2020/8/21</a:t>
+              <a:t>2020/9/3</a:t>
             </a:fld>
             <a:endParaRPr kumimoji="1" lang="ja-JP" altLang="en-US"/>
           </a:p>
@@ -2787,7 +2881,7 @@
           <a:p>
             <a:fld id="{6F410624-7C5E-4564-8988-5D4DC79A743A}" type="datetimeFigureOut">
               <a:rPr kumimoji="1" lang="ja-JP" altLang="en-US" smtClean="0"/>
-              <a:t>2020/8/21</a:t>
+              <a:t>2020/9/3</a:t>
             </a:fld>
             <a:endParaRPr kumimoji="1" lang="ja-JP" altLang="en-US"/>
           </a:p>
@@ -3130,7 +3224,7 @@
           <a:p>
             <a:fld id="{6F410624-7C5E-4564-8988-5D4DC79A743A}" type="datetimeFigureOut">
               <a:rPr kumimoji="1" lang="ja-JP" altLang="en-US" smtClean="0"/>
-              <a:t>2020/8/21</a:t>
+              <a:t>2020/9/3</a:t>
             </a:fld>
             <a:endParaRPr kumimoji="1" lang="ja-JP" altLang="en-US"/>
           </a:p>
@@ -3418,7 +3512,7 @@
           <a:p>
             <a:fld id="{6F410624-7C5E-4564-8988-5D4DC79A743A}" type="datetimeFigureOut">
               <a:rPr kumimoji="1" lang="ja-JP" altLang="en-US" smtClean="0"/>
-              <a:t>2020/8/21</a:t>
+              <a:t>2020/9/3</a:t>
             </a:fld>
             <a:endParaRPr kumimoji="1" lang="ja-JP" altLang="en-US"/>
           </a:p>
@@ -3691,7 +3785,7 @@
           <a:p>
             <a:fld id="{6F410624-7C5E-4564-8988-5D4DC79A743A}" type="datetimeFigureOut">
               <a:rPr kumimoji="1" lang="ja-JP" altLang="en-US" smtClean="0"/>
-              <a:t>2020/8/21</a:t>
+              <a:t>2020/9/3</a:t>
             </a:fld>
             <a:endParaRPr kumimoji="1" lang="ja-JP" altLang="en-US"/>
           </a:p>
@@ -14944,10 +15038,10 @@
       </p:sp>
       <p:grpSp>
         <p:nvGrpSpPr>
-          <p:cNvPr id="17" name="グループ化 16">
+          <p:cNvPr id="7" name="グループ化 6">
             <a:extLst>
               <a:ext uri="{FF2B5EF4-FFF2-40B4-BE49-F238E27FC236}">
-                <a16:creationId xmlns:a16="http://schemas.microsoft.com/office/drawing/2014/main" id="{CE953013-B53D-47F1-BA3B-8D7E28670906}"/>
+                <a16:creationId xmlns:a16="http://schemas.microsoft.com/office/drawing/2014/main" id="{CA68BD1C-D7B8-4D5C-A9DF-B87D05135DC0}"/>
               </a:ext>
             </a:extLst>
           </p:cNvPr>
@@ -14958,7 +15052,7 @@
           <a:xfrm>
             <a:off x="2251937" y="2540231"/>
             <a:ext cx="3474028" cy="993597"/>
-            <a:chOff x="2176436" y="2470537"/>
+            <a:chOff x="2251937" y="2540231"/>
             <a:chExt cx="3474028" cy="993597"/>
           </a:xfrm>
         </p:grpSpPr>
@@ -14976,7 +15070,7 @@
           </p:nvSpPr>
           <p:spPr>
             <a:xfrm>
-              <a:off x="2176436" y="2470537"/>
+              <a:off x="2251937" y="2540231"/>
               <a:ext cx="3474028" cy="923330"/>
             </a:xfrm>
             <a:prstGeom prst="rect">
@@ -15038,10 +15132,10 @@
         </p:sp>
         <p:pic>
           <p:nvPicPr>
-            <p:cNvPr id="16" name="図 15">
+            <p:cNvPr id="6" name="図 5">
               <a:extLst>
                 <a:ext uri="{FF2B5EF4-FFF2-40B4-BE49-F238E27FC236}">
-                  <a16:creationId xmlns:a16="http://schemas.microsoft.com/office/drawing/2014/main" id="{75AD9B0A-E28A-41DE-919E-14A9A0BDF679}"/>
+                  <a16:creationId xmlns:a16="http://schemas.microsoft.com/office/drawing/2014/main" id="{10B6B79E-0078-4826-9C37-18432E27EE04}"/>
                 </a:ext>
               </a:extLst>
             </p:cNvPr>
@@ -15068,7 +15162,7 @@
           </p:blipFill>
           <p:spPr>
             <a:xfrm>
-              <a:off x="3452500" y="2939164"/>
+              <a:off x="3528001" y="3008858"/>
               <a:ext cx="445106" cy="524970"/>
             </a:xfrm>
             <a:prstGeom prst="rect">
@@ -15457,7 +15551,7 @@
                 </a:solidFill>
                 <a:latin typeface="Consolas" panose="020B0609020204030204" pitchFamily="49" charset="0"/>
               </a:rPr>
-              <a:t>]*(n+</a:t>
+              <a:t>] * (n + </a:t>
             </a:r>
             <a:r>
               <a:rPr lang="en-US" altLang="ja-JP" dirty="0">
@@ -15576,7 +15670,7 @@
                 </a:solidFill>
                 <a:latin typeface="Consolas" panose="020B0609020204030204" pitchFamily="49" charset="0"/>
               </a:rPr>
-              <a:t>,n+</a:t>
+              <a:t>, n + </a:t>
             </a:r>
             <a:r>
               <a:rPr lang="en-US" altLang="ja-JP" dirty="0">
@@ -15650,7 +15744,25 @@
                 </a:solidFill>
                 <a:latin typeface="Consolas" panose="020B0609020204030204" pitchFamily="49" charset="0"/>
               </a:rPr>
-              <a:t>]=a[i-</a:t>
+              <a:t>] =a [</a:t>
+            </a:r>
+            <a:r>
+              <a:rPr lang="en-US" altLang="ja-JP" dirty="0" err="1">
+                <a:solidFill>
+                  <a:srgbClr val="D4D4D4"/>
+                </a:solidFill>
+                <a:latin typeface="Consolas" panose="020B0609020204030204" pitchFamily="49" charset="0"/>
+              </a:rPr>
+              <a:t>i</a:t>
+            </a:r>
+            <a:r>
+              <a:rPr lang="en-US" altLang="ja-JP" dirty="0">
+                <a:solidFill>
+                  <a:srgbClr val="D4D4D4"/>
+                </a:solidFill>
+                <a:latin typeface="Consolas" panose="020B0609020204030204" pitchFamily="49" charset="0"/>
+              </a:rPr>
+              <a:t> - </a:t>
             </a:r>
             <a:r>
               <a:rPr lang="en-US" altLang="ja-JP" dirty="0">
@@ -15695,7 +15807,25 @@
                 </a:solidFill>
                 <a:latin typeface="Consolas" panose="020B0609020204030204" pitchFamily="49" charset="0"/>
               </a:rPr>
-              <a:t>[i-</a:t>
+              <a:t>[</a:t>
+            </a:r>
+            <a:r>
+              <a:rPr lang="en-US" altLang="ja-JP" dirty="0" err="1">
+                <a:solidFill>
+                  <a:srgbClr val="D4D4D4"/>
+                </a:solidFill>
+                <a:latin typeface="Consolas" panose="020B0609020204030204" pitchFamily="49" charset="0"/>
+              </a:rPr>
+              <a:t>i</a:t>
+            </a:r>
+            <a:r>
+              <a:rPr lang="en-US" altLang="ja-JP" dirty="0">
+                <a:solidFill>
+                  <a:srgbClr val="D4D4D4"/>
+                </a:solidFill>
+                <a:latin typeface="Consolas" panose="020B0609020204030204" pitchFamily="49" charset="0"/>
+              </a:rPr>
+              <a:t> - </a:t>
             </a:r>
             <a:r>
               <a:rPr lang="en-US" altLang="ja-JP" dirty="0">
@@ -15989,10 +16119,10 @@
       </p:sp>
       <p:grpSp>
         <p:nvGrpSpPr>
-          <p:cNvPr id="17" name="グループ化 16">
+          <p:cNvPr id="6" name="グループ化 5">
             <a:extLst>
               <a:ext uri="{FF2B5EF4-FFF2-40B4-BE49-F238E27FC236}">
-                <a16:creationId xmlns:a16="http://schemas.microsoft.com/office/drawing/2014/main" id="{CE953013-B53D-47F1-BA3B-8D7E28670906}"/>
+                <a16:creationId xmlns:a16="http://schemas.microsoft.com/office/drawing/2014/main" id="{E6E22460-AA9E-427E-817F-C76F0F26CDFC}"/>
               </a:ext>
             </a:extLst>
           </p:cNvPr>
@@ -16003,7 +16133,7 @@
           <a:xfrm>
             <a:off x="2176436" y="1591591"/>
             <a:ext cx="3474028" cy="993597"/>
-            <a:chOff x="2176436" y="2470537"/>
+            <a:chOff x="2176436" y="1591591"/>
             <a:chExt cx="3474028" cy="993597"/>
           </a:xfrm>
         </p:grpSpPr>
@@ -16021,7 +16151,7 @@
           </p:nvSpPr>
           <p:spPr>
             <a:xfrm>
-              <a:off x="2176436" y="2470537"/>
+              <a:off x="2176436" y="1591591"/>
               <a:ext cx="3474028" cy="923330"/>
             </a:xfrm>
             <a:prstGeom prst="rect">
@@ -16083,10 +16213,10 @@
         </p:sp>
         <p:pic>
           <p:nvPicPr>
-            <p:cNvPr id="16" name="図 15">
+            <p:cNvPr id="4" name="図 3">
               <a:extLst>
                 <a:ext uri="{FF2B5EF4-FFF2-40B4-BE49-F238E27FC236}">
-                  <a16:creationId xmlns:a16="http://schemas.microsoft.com/office/drawing/2014/main" id="{75AD9B0A-E28A-41DE-919E-14A9A0BDF679}"/>
+                  <a16:creationId xmlns:a16="http://schemas.microsoft.com/office/drawing/2014/main" id="{F6D66A13-B1F0-4EC3-8A7B-0557ECFE79C1}"/>
                 </a:ext>
               </a:extLst>
             </p:cNvPr>
@@ -16113,7 +16243,7 @@
           </p:blipFill>
           <p:spPr>
             <a:xfrm>
-              <a:off x="3452500" y="2939164"/>
+              <a:off x="3452500" y="2060218"/>
               <a:ext cx="445106" cy="524970"/>
             </a:xfrm>
             <a:prstGeom prst="rect">
@@ -18613,9 +18743,9 @@
   <p:tag name="OUTPUTDPI" val="1200"/>
   <p:tag name="ORIGINALHEIGHT" val="369.7038"/>
   <p:tag name="ORIGINALWIDTH" val="313.4608"/>
-  <p:tag name="LATEXADDIN" val="\documentclass{article}&#10;\usepackage{amsmath}&#10;\pagestyle{empty}&#10;\begin{document}&#10;&#10;&#10;$$\sum^{j-1}_{i=k} a_k$$&#10;&#10;\end{document}"/>
+  <p:tag name="LATEXADDIN" val="\documentclass{article}&#10;\usepackage{amsmath}&#10;\pagestyle{empty}&#10;\begin{document}&#10;&#10;&#10;$$\sum^{j-1}_{k=i} a_k$$&#10;&#10;\end{document}"/>
   <p:tag name="IGUANATEXSIZE" val="18"/>
-  <p:tag name="IGUANATEXCURSOR" val="106"/>
+  <p:tag name="IGUANATEXCURSOR" val="99"/>
   <p:tag name="TRANSPARENCY" val="True"/>
   <p:tag name="FILENAME" val=""/>
   <p:tag name="LATEXENGINEID" val="0"/>
@@ -18822,9 +18952,9 @@
   <p:tag name="OUTPUTDPI" val="1200"/>
   <p:tag name="ORIGINALHEIGHT" val="369.7038"/>
   <p:tag name="ORIGINALWIDTH" val="313.4608"/>
-  <p:tag name="LATEXADDIN" val="\documentclass{article}&#10;\usepackage{amsmath}&#10;\pagestyle{empty}&#10;\begin{document}&#10;&#10;&#10;$$\sum^{j-1}_{i=k} a_k$$&#10;&#10;\end{document}"/>
+  <p:tag name="LATEXADDIN" val="\documentclass{article}&#10;\usepackage{amsmath}&#10;\pagestyle{empty}&#10;\begin{document}&#10;&#10;&#10;$$\sum^{j-1}_{k=i} a_k$$&#10;&#10;\end{document}"/>
   <p:tag name="IGUANATEXSIZE" val="18"/>
-  <p:tag name="IGUANATEXCURSOR" val="106"/>
+  <p:tag name="IGUANATEXCURSOR" val="99"/>
   <p:tag name="TRANSPARENCY" val="True"/>
   <p:tag name="FILENAME" val=""/>
   <p:tag name="LATEXENGINEID" val="0"/>

--- a/発表資料/ゼロから作るDeepLearning/ゼロから作るdeeplearning第1,2章.pptx
+++ b/発表資料/ゼロから作るDeepLearning/ゼロから作るdeeplearning第1,2章.pptx
@@ -694,6 +694,30 @@
             <ac:picMk id="11" creationId="{BDBA1A90-B87C-4ED6-A125-1FDE4B5B663B}"/>
           </ac:picMkLst>
         </pc:picChg>
+      </pc:sldChg>
+    </pc:docChg>
+  </pc:docChgLst>
+  <pc:docChgLst>
+    <pc:chgData name="Masaya Yamaguchi" userId="8869a66585b793a1" providerId="LiveId" clId="{147E7409-2A60-44C6-8166-EC48E04A09B0}"/>
+    <pc:docChg chg="modSld">
+      <pc:chgData name="Masaya Yamaguchi" userId="8869a66585b793a1" providerId="LiveId" clId="{147E7409-2A60-44C6-8166-EC48E04A09B0}" dt="2020-09-02T18:32:18.381" v="18" actId="20577"/>
+      <pc:docMkLst>
+        <pc:docMk/>
+      </pc:docMkLst>
+      <pc:sldChg chg="modSp">
+        <pc:chgData name="Masaya Yamaguchi" userId="8869a66585b793a1" providerId="LiveId" clId="{147E7409-2A60-44C6-8166-EC48E04A09B0}" dt="2020-09-02T18:32:18.381" v="18" actId="20577"/>
+        <pc:sldMkLst>
+          <pc:docMk/>
+          <pc:sldMk cId="2502184238" sldId="260"/>
+        </pc:sldMkLst>
+        <pc:spChg chg="mod">
+          <ac:chgData name="Masaya Yamaguchi" userId="8869a66585b793a1" providerId="LiveId" clId="{147E7409-2A60-44C6-8166-EC48E04A09B0}" dt="2020-09-02T18:32:18.381" v="18" actId="20577"/>
+          <ac:spMkLst>
+            <pc:docMk/>
+            <pc:sldMk cId="2502184238" sldId="260"/>
+            <ac:spMk id="9" creationId="{59497279-1B6D-4D19-BA11-95A5402CC0A4}"/>
+          </ac:spMkLst>
+        </pc:spChg>
       </pc:sldChg>
     </pc:docChg>
   </pc:docChgLst>
@@ -15274,8 +15298,8 @@
         </p:nvSpPr>
         <p:spPr>
           <a:xfrm>
-            <a:off x="2176436" y="3053815"/>
-            <a:ext cx="6711193" cy="3459295"/>
+            <a:off x="2176435" y="3053815"/>
+            <a:ext cx="7383335" cy="3459295"/>
           </a:xfrm>
           <a:prstGeom prst="rect">
             <a:avLst/>
@@ -15433,9 +15457,94 @@
               <a:t>(</a:t>
             </a:r>
             <a:r>
+              <a:rPr lang="en-US" altLang="ja-JP" dirty="0">
+                <a:solidFill>
+                  <a:srgbClr val="9CDCFE"/>
+                </a:solidFill>
+                <a:latin typeface="Consolas" panose="020B0609020204030204" pitchFamily="49" charset="0"/>
+              </a:rPr>
+              <a:t>self</a:t>
+            </a:r>
+            <a:r>
+              <a:rPr lang="en-US" altLang="ja-JP" dirty="0">
+                <a:solidFill>
+                  <a:srgbClr val="D4D4D4"/>
+                </a:solidFill>
+                <a:latin typeface="Consolas" panose="020B0609020204030204" pitchFamily="49" charset="0"/>
+              </a:rPr>
+              <a:t>,</a:t>
+            </a:r>
+            <a:r>
+              <a:rPr lang="ja-JP" altLang="en-US" dirty="0">
+                <a:solidFill>
+                  <a:srgbClr val="D4D4D4"/>
+                </a:solidFill>
+                <a:latin typeface="Consolas" panose="020B0609020204030204" pitchFamily="49" charset="0"/>
+              </a:rPr>
+              <a:t>　</a:t>
+            </a:r>
+            <a:r>
+              <a:rPr lang="en-US" altLang="ja-JP" dirty="0">
+                <a:solidFill>
+                  <a:srgbClr val="9CDCFE"/>
+                </a:solidFill>
+                <a:latin typeface="Consolas" panose="020B0609020204030204" pitchFamily="49" charset="0"/>
+              </a:rPr>
+              <a:t>a</a:t>
+            </a:r>
+            <a:r>
+              <a:rPr lang="en-US" altLang="ja-JP" dirty="0">
+                <a:solidFill>
+                  <a:srgbClr val="D4D4D4"/>
+                </a:solidFill>
+                <a:latin typeface="Consolas" panose="020B0609020204030204" pitchFamily="49" charset="0"/>
+              </a:rPr>
+              <a:t>):</a:t>
+            </a:r>
+          </a:p>
+          <a:p>
+            <a:r>
+              <a:rPr lang="en-US" altLang="ja-JP" dirty="0">
+                <a:solidFill>
+                  <a:srgbClr val="D4D4D4"/>
+                </a:solidFill>
+                <a:latin typeface="Consolas" panose="020B0609020204030204" pitchFamily="49" charset="0"/>
+              </a:rPr>
+              <a:t>        n = </a:t>
+            </a:r>
+            <a:r>
               <a:rPr lang="en-US" altLang="ja-JP" dirty="0" err="1">
                 <a:solidFill>
-                  <a:srgbClr val="9CDCFE"/>
+                  <a:srgbClr val="DCDCAA"/>
+                </a:solidFill>
+                <a:latin typeface="Consolas" panose="020B0609020204030204" pitchFamily="49" charset="0"/>
+              </a:rPr>
+              <a:t>len</a:t>
+            </a:r>
+            <a:r>
+              <a:rPr lang="en-US" altLang="ja-JP" dirty="0">
+                <a:solidFill>
+                  <a:srgbClr val="D4D4D4"/>
+                </a:solidFill>
+                <a:latin typeface="Consolas" panose="020B0609020204030204" pitchFamily="49" charset="0"/>
+              </a:rPr>
+              <a:t>(a)</a:t>
+            </a:r>
+          </a:p>
+          <a:p>
+            <a:r>
+              <a:rPr lang="en-US" altLang="ja-JP" dirty="0">
+                <a:solidFill>
+                  <a:srgbClr val="D4D4D4"/>
+                </a:solidFill>
+                <a:latin typeface="Consolas" panose="020B0609020204030204" pitchFamily="49" charset="0"/>
+              </a:rPr>
+              <a:t>        </a:t>
+            </a:r>
+            <a:r>
+              <a:rPr lang="en-US" altLang="ja-JP" dirty="0" err="1">
+                <a:solidFill>
+                  <a:srgbClr val="569CD6"/>
                 </a:solidFill>
                 <a:latin typeface="Consolas" panose="020B0609020204030204" pitchFamily="49" charset="0"/>
               </a:rPr>
@@ -15448,16 +15557,162 @@
                 </a:solidFill>
                 <a:latin typeface="Consolas" panose="020B0609020204030204" pitchFamily="49" charset="0"/>
               </a:rPr>
-              <a:t>,</a:t>
+              <a:t>.cum</a:t>
+            </a:r>
+            <a:r>
+              <a:rPr lang="en-US" altLang="ja-JP" dirty="0">
+                <a:solidFill>
+                  <a:srgbClr val="D4D4D4"/>
+                </a:solidFill>
+                <a:latin typeface="Consolas" panose="020B0609020204030204" pitchFamily="49" charset="0"/>
+              </a:rPr>
+              <a:t> = [</a:t>
+            </a:r>
+            <a:r>
+              <a:rPr lang="en-US" altLang="ja-JP" dirty="0">
+                <a:solidFill>
+                  <a:srgbClr val="B5CEA8"/>
+                </a:solidFill>
+                <a:latin typeface="Consolas" panose="020B0609020204030204" pitchFamily="49" charset="0"/>
+              </a:rPr>
+              <a:t>0</a:t>
+            </a:r>
+            <a:r>
+              <a:rPr lang="en-US" altLang="ja-JP" dirty="0">
+                <a:solidFill>
+                  <a:srgbClr val="D4D4D4"/>
+                </a:solidFill>
+                <a:latin typeface="Consolas" panose="020B0609020204030204" pitchFamily="49" charset="0"/>
+              </a:rPr>
+              <a:t>] * (n + </a:t>
+            </a:r>
+            <a:r>
+              <a:rPr lang="en-US" altLang="ja-JP" dirty="0">
+                <a:solidFill>
+                  <a:srgbClr val="B5CEA8"/>
+                </a:solidFill>
+                <a:latin typeface="Consolas" panose="020B0609020204030204" pitchFamily="49" charset="0"/>
+              </a:rPr>
+              <a:t>1</a:t>
+            </a:r>
+            <a:r>
+              <a:rPr lang="en-US" altLang="ja-JP" dirty="0">
+                <a:solidFill>
+                  <a:srgbClr val="D4D4D4"/>
+                </a:solidFill>
+                <a:latin typeface="Consolas" panose="020B0609020204030204" pitchFamily="49" charset="0"/>
+              </a:rPr>
+              <a:t>)</a:t>
+            </a:r>
+          </a:p>
+          <a:p>
+            <a:r>
+              <a:rPr lang="en-US" altLang="ja-JP" dirty="0">
+                <a:solidFill>
+                  <a:srgbClr val="D4D4D4"/>
+                </a:solidFill>
+                <a:latin typeface="Consolas" panose="020B0609020204030204" pitchFamily="49" charset="0"/>
+              </a:rPr>
+              <a:t>        </a:t>
+            </a:r>
+            <a:r>
+              <a:rPr lang="en-US" altLang="ja-JP" dirty="0">
+                <a:solidFill>
+                  <a:srgbClr val="C586C0"/>
+                </a:solidFill>
+                <a:latin typeface="Consolas" panose="020B0609020204030204" pitchFamily="49" charset="0"/>
+              </a:rPr>
+              <a:t>for</a:t>
+            </a:r>
+            <a:r>
+              <a:rPr lang="en-US" altLang="ja-JP" dirty="0">
+                <a:solidFill>
+                  <a:srgbClr val="D4D4D4"/>
+                </a:solidFill>
+                <a:latin typeface="Consolas" panose="020B0609020204030204" pitchFamily="49" charset="0"/>
+              </a:rPr>
+              <a:t> </a:t>
             </a:r>
             <a:r>
               <a:rPr lang="en-US" altLang="ja-JP" dirty="0" err="1">
                 <a:solidFill>
-                  <a:srgbClr val="9CDCFE"/>
-                </a:solidFill>
-                <a:latin typeface="Consolas" panose="020B0609020204030204" pitchFamily="49" charset="0"/>
-              </a:rPr>
-              <a:t>a</a:t>
+                  <a:srgbClr val="D4D4D4"/>
+                </a:solidFill>
+                <a:latin typeface="Consolas" panose="020B0609020204030204" pitchFamily="49" charset="0"/>
+              </a:rPr>
+              <a:t>i</a:t>
+            </a:r>
+            <a:r>
+              <a:rPr lang="en-US" altLang="ja-JP" dirty="0">
+                <a:solidFill>
+                  <a:srgbClr val="D4D4D4"/>
+                </a:solidFill>
+                <a:latin typeface="Consolas" panose="020B0609020204030204" pitchFamily="49" charset="0"/>
+              </a:rPr>
+              <a:t> </a:t>
+            </a:r>
+            <a:r>
+              <a:rPr lang="en-US" altLang="ja-JP" dirty="0">
+                <a:solidFill>
+                  <a:srgbClr val="569CD6"/>
+                </a:solidFill>
+                <a:latin typeface="Consolas" panose="020B0609020204030204" pitchFamily="49" charset="0"/>
+              </a:rPr>
+              <a:t>in</a:t>
+            </a:r>
+            <a:r>
+              <a:rPr lang="en-US" altLang="ja-JP" dirty="0">
+                <a:solidFill>
+                  <a:srgbClr val="D4D4D4"/>
+                </a:solidFill>
+                <a:latin typeface="Consolas" panose="020B0609020204030204" pitchFamily="49" charset="0"/>
+              </a:rPr>
+              <a:t> </a:t>
+            </a:r>
+            <a:r>
+              <a:rPr lang="en-US" altLang="ja-JP" dirty="0">
+                <a:solidFill>
+                  <a:srgbClr val="DCDCAA"/>
+                </a:solidFill>
+                <a:latin typeface="Consolas" panose="020B0609020204030204" pitchFamily="49" charset="0"/>
+              </a:rPr>
+              <a:t>range</a:t>
+            </a:r>
+            <a:r>
+              <a:rPr lang="en-US" altLang="ja-JP" dirty="0">
+                <a:solidFill>
+                  <a:srgbClr val="D4D4D4"/>
+                </a:solidFill>
+                <a:latin typeface="Consolas" panose="020B0609020204030204" pitchFamily="49" charset="0"/>
+              </a:rPr>
+              <a:t>(</a:t>
+            </a:r>
+            <a:r>
+              <a:rPr lang="en-US" altLang="ja-JP" dirty="0">
+                <a:solidFill>
+                  <a:srgbClr val="B5CEA8"/>
+                </a:solidFill>
+                <a:latin typeface="Consolas" panose="020B0609020204030204" pitchFamily="49" charset="0"/>
+              </a:rPr>
+              <a:t>1</a:t>
+            </a:r>
+            <a:r>
+              <a:rPr lang="en-US" altLang="ja-JP" dirty="0">
+                <a:solidFill>
+                  <a:srgbClr val="D4D4D4"/>
+                </a:solidFill>
+                <a:latin typeface="Consolas" panose="020B0609020204030204" pitchFamily="49" charset="0"/>
+              </a:rPr>
+              <a:t>, n + </a:t>
+            </a:r>
+            <a:r>
+              <a:rPr lang="en-US" altLang="ja-JP" dirty="0">
+                <a:solidFill>
+                  <a:srgbClr val="B5CEA8"/>
+                </a:solidFill>
+                <a:latin typeface="Consolas" panose="020B0609020204030204" pitchFamily="49" charset="0"/>
+              </a:rPr>
+              <a:t>1</a:t>
             </a:r>
             <a:r>
               <a:rPr lang="en-US" altLang="ja-JP" dirty="0">
@@ -15477,45 +15732,34 @@
                 </a:solidFill>
                 <a:latin typeface="Consolas" panose="020B0609020204030204" pitchFamily="49" charset="0"/>
               </a:rPr>
-              <a:t>        n = </a:t>
+              <a:t>            </a:t>
             </a:r>
             <a:r>
               <a:rPr lang="en-US" altLang="ja-JP" dirty="0" err="1">
                 <a:solidFill>
-                  <a:srgbClr val="DCDCAA"/>
-                </a:solidFill>
-                <a:latin typeface="Consolas" panose="020B0609020204030204" pitchFamily="49" charset="0"/>
-              </a:rPr>
-              <a:t>len</a:t>
-            </a:r>
-            <a:r>
-              <a:rPr lang="en-US" altLang="ja-JP" dirty="0">
-                <a:solidFill>
-                  <a:srgbClr val="D4D4D4"/>
-                </a:solidFill>
-                <a:latin typeface="Consolas" panose="020B0609020204030204" pitchFamily="49" charset="0"/>
-              </a:rPr>
-              <a:t>(a)</a:t>
-            </a:r>
-          </a:p>
-          <a:p>
-            <a:r>
-              <a:rPr lang="en-US" altLang="ja-JP" dirty="0">
-                <a:solidFill>
-                  <a:srgbClr val="D4D4D4"/>
-                </a:solidFill>
-                <a:latin typeface="Consolas" panose="020B0609020204030204" pitchFamily="49" charset="0"/>
-              </a:rPr>
-              <a:t>        </a:t>
+                  <a:srgbClr val="569CD6"/>
+                </a:solidFill>
+                <a:latin typeface="Consolas" panose="020B0609020204030204" pitchFamily="49" charset="0"/>
+              </a:rPr>
+              <a:t>self</a:t>
             </a:r>
             <a:r>
               <a:rPr lang="en-US" altLang="ja-JP" dirty="0" err="1">
                 <a:solidFill>
-                  <a:srgbClr val="569CD6"/>
-                </a:solidFill>
-                <a:latin typeface="Consolas" panose="020B0609020204030204" pitchFamily="49" charset="0"/>
-              </a:rPr>
-              <a:t>self</a:t>
+                  <a:srgbClr val="D4D4D4"/>
+                </a:solidFill>
+                <a:latin typeface="Consolas" panose="020B0609020204030204" pitchFamily="49" charset="0"/>
+              </a:rPr>
+              <a:t>.cum</a:t>
+            </a:r>
+            <a:r>
+              <a:rPr lang="en-US" altLang="ja-JP" dirty="0">
+                <a:solidFill>
+                  <a:srgbClr val="D4D4D4"/>
+                </a:solidFill>
+                <a:latin typeface="Consolas" panose="020B0609020204030204" pitchFamily="49" charset="0"/>
+              </a:rPr>
+              <a:t>[</a:t>
             </a:r>
             <a:r>
               <a:rPr lang="en-US" altLang="ja-JP" dirty="0" err="1">
@@ -15524,16 +15768,52 @@
                 </a:solidFill>
                 <a:latin typeface="Consolas" panose="020B0609020204030204" pitchFamily="49" charset="0"/>
               </a:rPr>
-              <a:t>.cum</a:t>
-            </a:r>
-            <a:r>
-              <a:rPr lang="en-US" altLang="ja-JP" dirty="0">
-                <a:solidFill>
-                  <a:srgbClr val="D4D4D4"/>
-                </a:solidFill>
-                <a:latin typeface="Consolas" panose="020B0609020204030204" pitchFamily="49" charset="0"/>
-              </a:rPr>
-              <a:t> = [</a:t>
+              <a:t>i</a:t>
+            </a:r>
+            <a:r>
+              <a:rPr lang="en-US" altLang="ja-JP" dirty="0">
+                <a:solidFill>
+                  <a:srgbClr val="D4D4D4"/>
+                </a:solidFill>
+                <a:latin typeface="Consolas" panose="020B0609020204030204" pitchFamily="49" charset="0"/>
+              </a:rPr>
+              <a:t>] =</a:t>
+            </a:r>
+            <a:r>
+              <a:rPr lang="ja-JP" altLang="en-US" dirty="0">
+                <a:solidFill>
+                  <a:srgbClr val="D4D4D4"/>
+                </a:solidFill>
+                <a:latin typeface="Consolas" panose="020B0609020204030204" pitchFamily="49" charset="0"/>
+              </a:rPr>
+              <a:t> </a:t>
+            </a:r>
+            <a:r>
+              <a:rPr lang="en-US" altLang="ja-JP">
+                <a:solidFill>
+                  <a:srgbClr val="D4D4D4"/>
+                </a:solidFill>
+                <a:latin typeface="Consolas" panose="020B0609020204030204" pitchFamily="49" charset="0"/>
+              </a:rPr>
+              <a:t>a[</a:t>
+            </a:r>
+            <a:r>
+              <a:rPr lang="en-US" altLang="ja-JP" dirty="0" err="1">
+                <a:solidFill>
+                  <a:srgbClr val="D4D4D4"/>
+                </a:solidFill>
+                <a:latin typeface="Consolas" panose="020B0609020204030204" pitchFamily="49" charset="0"/>
+              </a:rPr>
+              <a:t>i</a:t>
+            </a:r>
+            <a:r>
+              <a:rPr lang="en-US" altLang="ja-JP" dirty="0">
+                <a:solidFill>
+                  <a:srgbClr val="D4D4D4"/>
+                </a:solidFill>
+                <a:latin typeface="Consolas" panose="020B0609020204030204" pitchFamily="49" charset="0"/>
+              </a:rPr>
+              <a:t> - </a:t>
             </a:r>
             <a:r>
               <a:rPr lang="en-US" altLang="ja-JP" dirty="0">
@@ -15542,24 +15822,6 @@
                 </a:solidFill>
                 <a:latin typeface="Consolas" panose="020B0609020204030204" pitchFamily="49" charset="0"/>
               </a:rPr>
-              <a:t>0</a:t>
-            </a:r>
-            <a:r>
-              <a:rPr lang="en-US" altLang="ja-JP" dirty="0">
-                <a:solidFill>
-                  <a:srgbClr val="D4D4D4"/>
-                </a:solidFill>
-                <a:latin typeface="Consolas" panose="020B0609020204030204" pitchFamily="49" charset="0"/>
-              </a:rPr>
-              <a:t>] * (n + </a:t>
-            </a:r>
-            <a:r>
-              <a:rPr lang="en-US" altLang="ja-JP" dirty="0">
-                <a:solidFill>
-                  <a:srgbClr val="B5CEA8"/>
-                </a:solidFill>
-                <a:latin typeface="Consolas" panose="020B0609020204030204" pitchFamily="49" charset="0"/>
-              </a:rPr>
               <a:t>1</a:t>
             </a:r>
             <a:r>
@@ -15569,218 +15831,34 @@
                 </a:solidFill>
                 <a:latin typeface="Consolas" panose="020B0609020204030204" pitchFamily="49" charset="0"/>
               </a:rPr>
-              <a:t>)</a:t>
-            </a:r>
-          </a:p>
-          <a:p>
-            <a:r>
-              <a:rPr lang="en-US" altLang="ja-JP" dirty="0">
-                <a:solidFill>
-                  <a:srgbClr val="D4D4D4"/>
-                </a:solidFill>
-                <a:latin typeface="Consolas" panose="020B0609020204030204" pitchFamily="49" charset="0"/>
-              </a:rPr>
-              <a:t>        </a:t>
-            </a:r>
-            <a:r>
-              <a:rPr lang="en-US" altLang="ja-JP" dirty="0">
-                <a:solidFill>
-                  <a:srgbClr val="C586C0"/>
-                </a:solidFill>
-                <a:latin typeface="Consolas" panose="020B0609020204030204" pitchFamily="49" charset="0"/>
-              </a:rPr>
-              <a:t>for</a:t>
-            </a:r>
-            <a:r>
-              <a:rPr lang="en-US" altLang="ja-JP" dirty="0">
-                <a:solidFill>
-                  <a:srgbClr val="D4D4D4"/>
-                </a:solidFill>
-                <a:latin typeface="Consolas" panose="020B0609020204030204" pitchFamily="49" charset="0"/>
-              </a:rPr>
-              <a:t> </a:t>
-            </a:r>
-            <a:r>
-              <a:rPr lang="en-US" altLang="ja-JP" dirty="0" err="1">
-                <a:solidFill>
-                  <a:srgbClr val="D4D4D4"/>
-                </a:solidFill>
-                <a:latin typeface="Consolas" panose="020B0609020204030204" pitchFamily="49" charset="0"/>
-              </a:rPr>
-              <a:t>i</a:t>
-            </a:r>
-            <a:r>
-              <a:rPr lang="en-US" altLang="ja-JP" dirty="0">
-                <a:solidFill>
-                  <a:srgbClr val="D4D4D4"/>
-                </a:solidFill>
-                <a:latin typeface="Consolas" panose="020B0609020204030204" pitchFamily="49" charset="0"/>
-              </a:rPr>
-              <a:t> </a:t>
-            </a:r>
-            <a:r>
-              <a:rPr lang="en-US" altLang="ja-JP" dirty="0">
-                <a:solidFill>
-                  <a:srgbClr val="569CD6"/>
-                </a:solidFill>
-                <a:latin typeface="Consolas" panose="020B0609020204030204" pitchFamily="49" charset="0"/>
-              </a:rPr>
-              <a:t>in</a:t>
-            </a:r>
-            <a:r>
-              <a:rPr lang="en-US" altLang="ja-JP" dirty="0">
-                <a:solidFill>
-                  <a:srgbClr val="D4D4D4"/>
-                </a:solidFill>
-                <a:latin typeface="Consolas" panose="020B0609020204030204" pitchFamily="49" charset="0"/>
-              </a:rPr>
-              <a:t> </a:t>
-            </a:r>
-            <a:r>
-              <a:rPr lang="en-US" altLang="ja-JP" dirty="0">
-                <a:solidFill>
-                  <a:srgbClr val="DCDCAA"/>
-                </a:solidFill>
-                <a:latin typeface="Consolas" panose="020B0609020204030204" pitchFamily="49" charset="0"/>
-              </a:rPr>
-              <a:t>range</a:t>
-            </a:r>
-            <a:r>
-              <a:rPr lang="en-US" altLang="ja-JP" dirty="0">
-                <a:solidFill>
-                  <a:srgbClr val="D4D4D4"/>
-                </a:solidFill>
-                <a:latin typeface="Consolas" panose="020B0609020204030204" pitchFamily="49" charset="0"/>
-              </a:rPr>
-              <a:t>(</a:t>
-            </a:r>
-            <a:r>
-              <a:rPr lang="en-US" altLang="ja-JP" dirty="0">
-                <a:solidFill>
-                  <a:srgbClr val="B5CEA8"/>
-                </a:solidFill>
-                <a:latin typeface="Consolas" panose="020B0609020204030204" pitchFamily="49" charset="0"/>
-              </a:rPr>
-              <a:t>1</a:t>
-            </a:r>
-            <a:r>
-              <a:rPr lang="en-US" altLang="ja-JP" dirty="0">
-                <a:solidFill>
-                  <a:srgbClr val="D4D4D4"/>
-                </a:solidFill>
-                <a:latin typeface="Consolas" panose="020B0609020204030204" pitchFamily="49" charset="0"/>
-              </a:rPr>
-              <a:t>, n + </a:t>
-            </a:r>
-            <a:r>
-              <a:rPr lang="en-US" altLang="ja-JP" dirty="0">
-                <a:solidFill>
-                  <a:srgbClr val="B5CEA8"/>
-                </a:solidFill>
-                <a:latin typeface="Consolas" panose="020B0609020204030204" pitchFamily="49" charset="0"/>
-              </a:rPr>
-              <a:t>1</a:t>
-            </a:r>
-            <a:r>
-              <a:rPr lang="en-US" altLang="ja-JP" dirty="0">
-                <a:solidFill>
-                  <a:srgbClr val="D4D4D4"/>
-                </a:solidFill>
-                <a:latin typeface="Consolas" panose="020B0609020204030204" pitchFamily="49" charset="0"/>
-              </a:rPr>
-              <a:t>):</a:t>
-            </a:r>
-          </a:p>
-          <a:p>
-            <a:r>
-              <a:rPr lang="en-US" altLang="ja-JP" dirty="0">
-                <a:solidFill>
-                  <a:srgbClr val="D4D4D4"/>
-                </a:solidFill>
-                <a:latin typeface="Consolas" panose="020B0609020204030204" pitchFamily="49" charset="0"/>
-              </a:rPr>
-              <a:t>            </a:t>
-            </a:r>
-            <a:r>
-              <a:rPr lang="en-US" altLang="ja-JP" dirty="0" err="1">
-                <a:solidFill>
-                  <a:srgbClr val="569CD6"/>
-                </a:solidFill>
-                <a:latin typeface="Consolas" panose="020B0609020204030204" pitchFamily="49" charset="0"/>
-              </a:rPr>
-              <a:t>self</a:t>
-            </a:r>
-            <a:r>
-              <a:rPr lang="en-US" altLang="ja-JP" dirty="0" err="1">
-                <a:solidFill>
-                  <a:srgbClr val="D4D4D4"/>
-                </a:solidFill>
-                <a:latin typeface="Consolas" panose="020B0609020204030204" pitchFamily="49" charset="0"/>
-              </a:rPr>
-              <a:t>.cum</a:t>
-            </a:r>
-            <a:r>
-              <a:rPr lang="en-US" altLang="ja-JP" dirty="0">
-                <a:solidFill>
-                  <a:srgbClr val="D4D4D4"/>
-                </a:solidFill>
-                <a:latin typeface="Consolas" panose="020B0609020204030204" pitchFamily="49" charset="0"/>
-              </a:rPr>
-              <a:t>[</a:t>
-            </a:r>
-            <a:r>
-              <a:rPr lang="en-US" altLang="ja-JP" dirty="0" err="1">
-                <a:solidFill>
-                  <a:srgbClr val="D4D4D4"/>
-                </a:solidFill>
-                <a:latin typeface="Consolas" panose="020B0609020204030204" pitchFamily="49" charset="0"/>
-              </a:rPr>
-              <a:t>i</a:t>
-            </a:r>
-            <a:r>
-              <a:rPr lang="en-US" altLang="ja-JP" dirty="0">
-                <a:solidFill>
-                  <a:srgbClr val="D4D4D4"/>
-                </a:solidFill>
-                <a:latin typeface="Consolas" panose="020B0609020204030204" pitchFamily="49" charset="0"/>
-              </a:rPr>
-              <a:t>] =a [</a:t>
-            </a:r>
-            <a:r>
-              <a:rPr lang="en-US" altLang="ja-JP" dirty="0" err="1">
-                <a:solidFill>
-                  <a:srgbClr val="D4D4D4"/>
-                </a:solidFill>
-                <a:latin typeface="Consolas" panose="020B0609020204030204" pitchFamily="49" charset="0"/>
-              </a:rPr>
-              <a:t>i</a:t>
-            </a:r>
-            <a:r>
-              <a:rPr lang="en-US" altLang="ja-JP" dirty="0">
-                <a:solidFill>
-                  <a:srgbClr val="D4D4D4"/>
-                </a:solidFill>
-                <a:latin typeface="Consolas" panose="020B0609020204030204" pitchFamily="49" charset="0"/>
-              </a:rPr>
-              <a:t> - </a:t>
-            </a:r>
-            <a:r>
-              <a:rPr lang="en-US" altLang="ja-JP" dirty="0">
-                <a:solidFill>
-                  <a:srgbClr val="B5CEA8"/>
-                </a:solidFill>
-                <a:latin typeface="Consolas" panose="020B0609020204030204" pitchFamily="49" charset="0"/>
-              </a:rPr>
-              <a:t>1</a:t>
-            </a:r>
-            <a:r>
-              <a:rPr lang="en-US" altLang="ja-JP" dirty="0">
-                <a:solidFill>
-                  <a:srgbClr val="D4D4D4"/>
-                </a:solidFill>
-                <a:latin typeface="Consolas" panose="020B0609020204030204" pitchFamily="49" charset="0"/>
-              </a:rPr>
-              <a:t>]+</a:t>
+              <a:t>]</a:t>
+            </a:r>
+            <a:r>
+              <a:rPr lang="ja-JP" altLang="en-US" dirty="0">
+                <a:solidFill>
+                  <a:srgbClr val="D4D4D4"/>
+                </a:solidFill>
+                <a:latin typeface="Consolas" panose="020B0609020204030204" pitchFamily="49" charset="0"/>
+              </a:rPr>
+              <a:t> </a:t>
+            </a:r>
+            <a:r>
+              <a:rPr lang="en-US" altLang="ja-JP" dirty="0">
+                <a:solidFill>
+                  <a:srgbClr val="D4D4D4"/>
+                </a:solidFill>
+                <a:latin typeface="Consolas" panose="020B0609020204030204" pitchFamily="49" charset="0"/>
+              </a:rPr>
+              <a:t>+</a:t>
+            </a:r>
+            <a:r>
+              <a:rPr lang="ja-JP" altLang="en-US" dirty="0">
+                <a:solidFill>
+                  <a:srgbClr val="D4D4D4"/>
+                </a:solidFill>
+                <a:latin typeface="Consolas" panose="020B0609020204030204" pitchFamily="49" charset="0"/>
+              </a:rPr>
+              <a:t> </a:t>
             </a:r>
             <a:r>
               <a:rPr lang="en-US" altLang="ja-JP" dirty="0" err="1">
@@ -15970,7 +16048,7 @@
                 </a:solidFill>
                 <a:latin typeface="Consolas" panose="020B0609020204030204" pitchFamily="49" charset="0"/>
               </a:rPr>
-              <a:t>i,j</a:t>
+              <a:t>i</a:t>
             </a:r>
             <a:r>
               <a:rPr lang="en-US" altLang="ja-JP" dirty="0">
@@ -15979,7 +16057,25 @@
                 </a:solidFill>
                 <a:latin typeface="Consolas" panose="020B0609020204030204" pitchFamily="49" charset="0"/>
               </a:rPr>
-              <a:t>)</a:t>
+              <a:t>,</a:t>
+            </a:r>
+            <a:r>
+              <a:rPr lang="ja-JP" altLang="en-US" dirty="0">
+                <a:solidFill>
+                  <a:srgbClr val="6A9955"/>
+                </a:solidFill>
+                <a:latin typeface="Consolas" panose="020B0609020204030204" pitchFamily="49" charset="0"/>
+              </a:rPr>
+              <a:t> </a:t>
+            </a:r>
+            <a:r>
+              <a:rPr lang="en-US" altLang="ja-JP" dirty="0">
+                <a:solidFill>
+                  <a:srgbClr val="6A9955"/>
+                </a:solidFill>
+                <a:latin typeface="Consolas" panose="020B0609020204030204" pitchFamily="49" charset="0"/>
+              </a:rPr>
+              <a:t>j)</a:t>
             </a:r>
             <a:r>
               <a:rPr lang="ja-JP" altLang="en-US" dirty="0">
